--- a/recipe demo.pptx
+++ b/recipe demo.pptx
@@ -13,6 +13,7 @@
     <p:sldId id="308" r:id="rId7"/>
     <p:sldId id="309" r:id="rId8"/>
     <p:sldId id="310" r:id="rId9"/>
+    <p:sldId id="311" r:id="rId10"/>
   </p:sldIdLst>
   <p:sldSz cx="12192000" cy="6858000"/>
   <p:notesSz cx="6858000" cy="9144000"/>
@@ -42240,20 +42241,26 @@
           </p:cNvPicPr>
           <p:nvPr/>
         </p:nvPicPr>
-        <p:blipFill>
+        <p:blipFill rotWithShape="1">
           <a:blip r:embed="rId4"/>
-          <a:stretch>
-            <a:fillRect/>
-          </a:stretch>
+          <a:srcRect l="855" t="-5216" r="-1233" b="-352"/>
+          <a:stretch/>
         </p:blipFill>
         <p:spPr>
           <a:xfrm>
-            <a:off x="4585094" y="1375946"/>
-            <a:ext cx="3021681" cy="4952969"/>
+            <a:off x="4610911" y="1117602"/>
+            <a:ext cx="3023862" cy="5212800"/>
           </a:xfrm>
           <a:prstGeom prst="rect">
             <a:avLst/>
           </a:prstGeom>
+          <a:effectLst>
+            <a:outerShdw blurRad="50800" dist="38100" dir="2700000" algn="tl" rotWithShape="0">
+              <a:prstClr val="black">
+                <a:alpha val="40000"/>
+              </a:prstClr>
+            </a:outerShdw>
+          </a:effectLst>
         </p:spPr>
       </p:pic>
       <p:grpSp>
@@ -42693,6 +42700,866 @@
 </p:sld>
 </file>
 
+<file path=ppt/slides/slide9.xml><?xml version="1.0" encoding="utf-8"?>
+<p:sld xmlns:a="http://schemas.openxmlformats.org/drawingml/2006/main" xmlns:r="http://schemas.openxmlformats.org/officeDocument/2006/relationships" xmlns:p="http://schemas.openxmlformats.org/presentationml/2006/main">
+  <p:cSld>
+    <p:spTree>
+      <p:nvGrpSpPr>
+        <p:cNvPr id="1" name=""/>
+        <p:cNvGrpSpPr/>
+        <p:nvPr/>
+      </p:nvGrpSpPr>
+      <p:grpSpPr>
+        <a:xfrm>
+          <a:off x="0" y="0"/>
+          <a:ext cx="0" cy="0"/>
+          <a:chOff x="0" y="0"/>
+          <a:chExt cx="0" cy="0"/>
+        </a:xfrm>
+      </p:grpSpPr>
+      <p:sp>
+        <p:nvSpPr>
+          <p:cNvPr id="29" name="직사각형 28"/>
+          <p:cNvSpPr/>
+          <p:nvPr/>
+        </p:nvSpPr>
+        <p:spPr>
+          <a:xfrm>
+            <a:off x="6741573" y="2574330"/>
+            <a:ext cx="922832" cy="553998"/>
+          </a:xfrm>
+          <a:prstGeom prst="rect">
+            <a:avLst/>
+          </a:prstGeom>
+        </p:spPr>
+        <p:txBody>
+          <a:bodyPr wrap="square">
+            <a:spAutoFit/>
+          </a:bodyPr>
+          <a:lstStyle/>
+          <a:p>
+            <a:pPr algn="ctr">
+              <a:lnSpc>
+                <a:spcPct val="150000"/>
+              </a:lnSpc>
+            </a:pPr>
+            <a:r>
+              <a:rPr lang="en-US" altLang="ko-KR" sz="800" dirty="0">
+                <a:solidFill>
+                  <a:prstClr val="white"/>
+                </a:solidFill>
+                <a:cs typeface="Aharoni" panose="02010803020104030203" pitchFamily="2" charset="-79"/>
+              </a:rPr>
+              <a:t>CONTENTS. A </a:t>
+            </a:r>
+            <a:endParaRPr lang="en-US" altLang="ko-KR" sz="900" dirty="0">
+              <a:solidFill>
+                <a:prstClr val="white"/>
+              </a:solidFill>
+              <a:cs typeface="Aharoni" panose="02010803020104030203" pitchFamily="2" charset="-79"/>
+            </a:endParaRPr>
+          </a:p>
+          <a:p>
+            <a:pPr algn="ctr"/>
+            <a:r>
+              <a:rPr lang="en-US" altLang="ko-KR" b="1" dirty="0">
+                <a:solidFill>
+                  <a:prstClr val="white"/>
+                </a:solidFill>
+                <a:cs typeface="Aharoni" panose="02010803020104030203" pitchFamily="2" charset="-79"/>
+              </a:rPr>
+              <a:t>75</a:t>
+            </a:r>
+            <a:r>
+              <a:rPr lang="en-US" altLang="ko-KR" sz="1000" b="1" dirty="0">
+                <a:solidFill>
+                  <a:prstClr val="white"/>
+                </a:solidFill>
+                <a:cs typeface="Aharoni" panose="02010803020104030203" pitchFamily="2" charset="-79"/>
+              </a:rPr>
+              <a:t>%</a:t>
+            </a:r>
+            <a:endParaRPr lang="en-US" altLang="ko-KR" sz="100" b="1" dirty="0">
+              <a:solidFill>
+                <a:prstClr val="white"/>
+              </a:solidFill>
+              <a:cs typeface="Aharoni" panose="02010803020104030203" pitchFamily="2" charset="-79"/>
+            </a:endParaRPr>
+          </a:p>
+        </p:txBody>
+      </p:sp>
+      <p:sp>
+        <p:nvSpPr>
+          <p:cNvPr id="30" name="직사각형 29"/>
+          <p:cNvSpPr/>
+          <p:nvPr/>
+        </p:nvSpPr>
+        <p:spPr>
+          <a:xfrm>
+            <a:off x="7338398" y="4488837"/>
+            <a:ext cx="922832" cy="553998"/>
+          </a:xfrm>
+          <a:prstGeom prst="rect">
+            <a:avLst/>
+          </a:prstGeom>
+        </p:spPr>
+        <p:txBody>
+          <a:bodyPr wrap="square">
+            <a:spAutoFit/>
+          </a:bodyPr>
+          <a:lstStyle/>
+          <a:p>
+            <a:pPr algn="ctr">
+              <a:lnSpc>
+                <a:spcPct val="150000"/>
+              </a:lnSpc>
+            </a:pPr>
+            <a:r>
+              <a:rPr lang="en-US" altLang="ko-KR" sz="800" dirty="0">
+                <a:solidFill>
+                  <a:prstClr val="white"/>
+                </a:solidFill>
+                <a:cs typeface="Aharoni" panose="02010803020104030203" pitchFamily="2" charset="-79"/>
+              </a:rPr>
+              <a:t>CONTENTS. A </a:t>
+            </a:r>
+            <a:endParaRPr lang="en-US" altLang="ko-KR" sz="900" dirty="0">
+              <a:solidFill>
+                <a:prstClr val="white"/>
+              </a:solidFill>
+              <a:cs typeface="Aharoni" panose="02010803020104030203" pitchFamily="2" charset="-79"/>
+            </a:endParaRPr>
+          </a:p>
+          <a:p>
+            <a:pPr algn="ctr"/>
+            <a:r>
+              <a:rPr lang="en-US" altLang="ko-KR" b="1" dirty="0">
+                <a:solidFill>
+                  <a:prstClr val="white"/>
+                </a:solidFill>
+                <a:cs typeface="Aharoni" panose="02010803020104030203" pitchFamily="2" charset="-79"/>
+              </a:rPr>
+              <a:t>75</a:t>
+            </a:r>
+            <a:r>
+              <a:rPr lang="en-US" altLang="ko-KR" sz="1000" b="1" dirty="0">
+                <a:solidFill>
+                  <a:prstClr val="white"/>
+                </a:solidFill>
+                <a:cs typeface="Aharoni" panose="02010803020104030203" pitchFamily="2" charset="-79"/>
+              </a:rPr>
+              <a:t>%</a:t>
+            </a:r>
+            <a:endParaRPr lang="en-US" altLang="ko-KR" sz="100" b="1" dirty="0">
+              <a:solidFill>
+                <a:prstClr val="white"/>
+              </a:solidFill>
+              <a:cs typeface="Aharoni" panose="02010803020104030203" pitchFamily="2" charset="-79"/>
+            </a:endParaRPr>
+          </a:p>
+        </p:txBody>
+      </p:sp>
+      <p:pic>
+        <p:nvPicPr>
+          <p:cNvPr id="106" name="圖片 105">
+            <a:extLst>
+              <a:ext uri="{FF2B5EF4-FFF2-40B4-BE49-F238E27FC236}">
+                <a16:creationId xmlns:a16="http://schemas.microsoft.com/office/drawing/2014/main" id="{05A04060-ABEB-C648-885E-C73B6B612674}"/>
+              </a:ext>
+            </a:extLst>
+          </p:cNvPr>
+          <p:cNvPicPr>
+            <a:picLocks noChangeAspect="1"/>
+          </p:cNvPicPr>
+          <p:nvPr/>
+        </p:nvPicPr>
+        <p:blipFill>
+          <a:blip r:embed="rId2">
+            <a:extLst>
+              <a:ext uri="{BEBA8EAE-BF5A-486C-A8C5-ECC9F3942E4B}">
+                <a14:imgProps xmlns:a14="http://schemas.microsoft.com/office/drawing/2010/main">
+                  <a14:imgLayer r:embed="rId3">
+                    <a14:imgEffect>
+                      <a14:brightnessContrast bright="100000" contrast="100000"/>
+                    </a14:imgEffect>
+                  </a14:imgLayer>
+                </a14:imgProps>
+              </a:ext>
+            </a:extLst>
+          </a:blip>
+          <a:stretch>
+            <a:fillRect/>
+          </a:stretch>
+        </p:blipFill>
+        <p:spPr>
+          <a:xfrm>
+            <a:off x="6820830" y="2431054"/>
+            <a:ext cx="500973" cy="500973"/>
+          </a:xfrm>
+          <a:prstGeom prst="rect">
+            <a:avLst/>
+          </a:prstGeom>
+          <a:noFill/>
+        </p:spPr>
+      </p:pic>
+      <p:sp>
+        <p:nvSpPr>
+          <p:cNvPr id="6" name="직사각형 5"/>
+          <p:cNvSpPr/>
+          <p:nvPr/>
+        </p:nvSpPr>
+        <p:spPr>
+          <a:xfrm>
+            <a:off x="0" y="-1"/>
+            <a:ext cx="12192000" cy="815789"/>
+          </a:xfrm>
+          <a:prstGeom prst="rect">
+            <a:avLst/>
+          </a:prstGeom>
+          <a:solidFill>
+            <a:srgbClr val="EA9A4C"/>
+          </a:solidFill>
+          <a:ln>
+            <a:noFill/>
+          </a:ln>
+        </p:spPr>
+        <p:style>
+          <a:lnRef idx="2">
+            <a:schemeClr val="accent1">
+              <a:shade val="50000"/>
+            </a:schemeClr>
+          </a:lnRef>
+          <a:fillRef idx="1">
+            <a:schemeClr val="accent1"/>
+          </a:fillRef>
+          <a:effectRef idx="0">
+            <a:schemeClr val="accent1"/>
+          </a:effectRef>
+          <a:fontRef idx="minor">
+            <a:schemeClr val="lt1"/>
+          </a:fontRef>
+        </p:style>
+        <p:txBody>
+          <a:bodyPr rtlCol="0" anchor="t"/>
+          <a:lstStyle/>
+          <a:p>
+            <a:pPr algn="ctr" latinLnBrk="0">
+              <a:lnSpc>
+                <a:spcPct val="200000"/>
+              </a:lnSpc>
+              <a:defRPr/>
+            </a:pPr>
+            <a:r>
+              <a:rPr lang="en-US" altLang="ko-KR" sz="1400" kern="0" dirty="0">
+                <a:solidFill>
+                  <a:prstClr val="white"/>
+                </a:solidFill>
+              </a:rPr>
+              <a:t>ANDROID FINAL PROJECT  RECIPE</a:t>
+            </a:r>
+            <a:endParaRPr lang="ko-KR" altLang="en-US" sz="9600" kern="0" dirty="0">
+              <a:solidFill>
+                <a:prstClr val="white"/>
+              </a:solidFill>
+            </a:endParaRPr>
+          </a:p>
+        </p:txBody>
+      </p:sp>
+      <p:grpSp>
+        <p:nvGrpSpPr>
+          <p:cNvPr id="2" name="그룹 1"/>
+          <p:cNvGrpSpPr/>
+          <p:nvPr/>
+        </p:nvGrpSpPr>
+        <p:grpSpPr>
+          <a:xfrm>
+            <a:off x="311150" y="511666"/>
+            <a:ext cx="11569700" cy="6050568"/>
+            <a:chOff x="311150" y="511666"/>
+            <a:chExt cx="11569700" cy="6050568"/>
+          </a:xfrm>
+        </p:grpSpPr>
+        <p:sp>
+          <p:nvSpPr>
+            <p:cNvPr id="9" name="직사각형 8"/>
+            <p:cNvSpPr/>
+            <p:nvPr/>
+          </p:nvSpPr>
+          <p:spPr>
+            <a:xfrm>
+              <a:off x="412750" y="1117601"/>
+              <a:ext cx="11366500" cy="5444633"/>
+            </a:xfrm>
+            <a:prstGeom prst="rect">
+              <a:avLst/>
+            </a:prstGeom>
+            <a:solidFill>
+              <a:schemeClr val="bg1"/>
+            </a:solidFill>
+            <a:ln w="12700">
+              <a:solidFill>
+                <a:srgbClr val="D68E49"/>
+              </a:solidFill>
+            </a:ln>
+          </p:spPr>
+          <p:style>
+            <a:lnRef idx="2">
+              <a:schemeClr val="accent1">
+                <a:shade val="50000"/>
+              </a:schemeClr>
+            </a:lnRef>
+            <a:fillRef idx="1">
+              <a:schemeClr val="accent1"/>
+            </a:fillRef>
+            <a:effectRef idx="0">
+              <a:schemeClr val="accent1"/>
+            </a:effectRef>
+            <a:fontRef idx="minor">
+              <a:schemeClr val="lt1"/>
+            </a:fontRef>
+          </p:style>
+          <p:txBody>
+            <a:bodyPr rtlCol="0" anchor="ctr"/>
+            <a:lstStyle/>
+            <a:p>
+              <a:pPr algn="ctr" latinLnBrk="0">
+                <a:defRPr/>
+              </a:pPr>
+              <a:endParaRPr lang="en-US" altLang="ko-KR" sz="2800" b="1" kern="0" dirty="0">
+                <a:solidFill>
+                  <a:prstClr val="black">
+                    <a:lumMod val="75000"/>
+                    <a:lumOff val="25000"/>
+                  </a:prstClr>
+                </a:solidFill>
+                <a:latin typeface="야놀자 야체 B" panose="02020603020101020101" pitchFamily="18" charset="-127"/>
+                <a:ea typeface="야놀자 야체 B" panose="02020603020101020101" pitchFamily="18" charset="-127"/>
+              </a:endParaRPr>
+            </a:p>
+          </p:txBody>
+        </p:sp>
+        <p:sp>
+          <p:nvSpPr>
+            <p:cNvPr id="7" name="직사각형 6"/>
+            <p:cNvSpPr/>
+            <p:nvPr/>
+          </p:nvSpPr>
+          <p:spPr>
+            <a:xfrm>
+              <a:off x="311150" y="511666"/>
+              <a:ext cx="11569700" cy="596900"/>
+            </a:xfrm>
+            <a:prstGeom prst="rect">
+              <a:avLst/>
+            </a:prstGeom>
+            <a:solidFill>
+              <a:schemeClr val="bg1"/>
+            </a:solidFill>
+            <a:ln w="60325">
+              <a:solidFill>
+                <a:srgbClr val="D68E49"/>
+              </a:solidFill>
+            </a:ln>
+          </p:spPr>
+          <p:style>
+            <a:lnRef idx="2">
+              <a:schemeClr val="accent1">
+                <a:shade val="50000"/>
+              </a:schemeClr>
+            </a:lnRef>
+            <a:fillRef idx="1">
+              <a:schemeClr val="accent1"/>
+            </a:fillRef>
+            <a:effectRef idx="0">
+              <a:schemeClr val="accent1"/>
+            </a:effectRef>
+            <a:fontRef idx="minor">
+              <a:schemeClr val="lt1"/>
+            </a:fontRef>
+          </p:style>
+          <p:txBody>
+            <a:bodyPr rtlCol="0" anchor="ctr"/>
+            <a:lstStyle/>
+            <a:p>
+              <a:pPr algn="ctr">
+                <a:defRPr/>
+              </a:pPr>
+              <a:r>
+                <a:rPr lang="en-US" altLang="ko-KR" sz="2400" b="1" kern="0" dirty="0">
+                  <a:solidFill>
+                    <a:prstClr val="black">
+                      <a:lumMod val="75000"/>
+                      <a:lumOff val="25000"/>
+                    </a:prstClr>
+                  </a:solidFill>
+                  <a:latin typeface="야놀자 야체 B" panose="02020603020101020101" pitchFamily="18" charset="-127"/>
+                  <a:ea typeface="야놀자 야체 B" panose="02020603020101020101" pitchFamily="18" charset="-127"/>
+                </a:rPr>
+                <a:t>FUNCTIONALITY AND CLASSES</a:t>
+              </a:r>
+              <a:endParaRPr lang="en-US" altLang="ko-KR" sz="2400" b="1" kern="0" dirty="0">
+                <a:solidFill>
+                  <a:srgbClr val="D68E49"/>
+                </a:solidFill>
+                <a:latin typeface="야놀자 야체 B" panose="02020603020101020101" pitchFamily="18" charset="-127"/>
+                <a:ea typeface="야놀자 야체 B" panose="02020603020101020101" pitchFamily="18" charset="-127"/>
+              </a:endParaRPr>
+            </a:p>
+          </p:txBody>
+        </p:sp>
+        <p:sp>
+          <p:nvSpPr>
+            <p:cNvPr id="11" name="자유형 10"/>
+            <p:cNvSpPr/>
+            <p:nvPr/>
+          </p:nvSpPr>
+          <p:spPr>
+            <a:xfrm>
+              <a:off x="11449415" y="689467"/>
+              <a:ext cx="276475" cy="272066"/>
+            </a:xfrm>
+            <a:custGeom>
+              <a:avLst/>
+              <a:gdLst>
+                <a:gd name="connsiteX0" fmla="*/ 128587 w 337165"/>
+                <a:gd name="connsiteY0" fmla="*/ 35720 h 331788"/>
+                <a:gd name="connsiteX1" fmla="*/ 35719 w 337165"/>
+                <a:gd name="connsiteY1" fmla="*/ 128588 h 331788"/>
+                <a:gd name="connsiteX2" fmla="*/ 128587 w 337165"/>
+                <a:gd name="connsiteY2" fmla="*/ 221456 h 331788"/>
+                <a:gd name="connsiteX3" fmla="*/ 221455 w 337165"/>
+                <a:gd name="connsiteY3" fmla="*/ 128588 h 331788"/>
+                <a:gd name="connsiteX4" fmla="*/ 128587 w 337165"/>
+                <a:gd name="connsiteY4" fmla="*/ 35720 h 331788"/>
+                <a:gd name="connsiteX5" fmla="*/ 128588 w 337165"/>
+                <a:gd name="connsiteY5" fmla="*/ 0 h 331788"/>
+                <a:gd name="connsiteX6" fmla="*/ 257176 w 337165"/>
+                <a:gd name="connsiteY6" fmla="*/ 128588 h 331788"/>
+                <a:gd name="connsiteX7" fmla="*/ 247071 w 337165"/>
+                <a:gd name="connsiteY7" fmla="*/ 178640 h 331788"/>
+                <a:gd name="connsiteX8" fmla="*/ 234445 w 337165"/>
+                <a:gd name="connsiteY8" fmla="*/ 197368 h 331788"/>
+                <a:gd name="connsiteX9" fmla="*/ 235519 w 337165"/>
+                <a:gd name="connsiteY9" fmla="*/ 197813 h 331788"/>
+                <a:gd name="connsiteX10" fmla="*/ 330470 w 337165"/>
+                <a:gd name="connsiteY10" fmla="*/ 292765 h 331788"/>
+                <a:gd name="connsiteX11" fmla="*/ 330470 w 337165"/>
+                <a:gd name="connsiteY11" fmla="*/ 325094 h 331788"/>
+                <a:gd name="connsiteX12" fmla="*/ 330470 w 337165"/>
+                <a:gd name="connsiteY12" fmla="*/ 325092 h 331788"/>
+                <a:gd name="connsiteX13" fmla="*/ 298141 w 337165"/>
+                <a:gd name="connsiteY13" fmla="*/ 325092 h 331788"/>
+                <a:gd name="connsiteX14" fmla="*/ 203415 w 337165"/>
+                <a:gd name="connsiteY14" fmla="*/ 230367 h 331788"/>
+                <a:gd name="connsiteX15" fmla="*/ 178640 w 337165"/>
+                <a:gd name="connsiteY15" fmla="*/ 247071 h 331788"/>
+                <a:gd name="connsiteX16" fmla="*/ 128588 w 337165"/>
+                <a:gd name="connsiteY16" fmla="*/ 257176 h 331788"/>
+                <a:gd name="connsiteX17" fmla="*/ 0 w 337165"/>
+                <a:gd name="connsiteY17" fmla="*/ 128588 h 331788"/>
+                <a:gd name="connsiteX18" fmla="*/ 128588 w 337165"/>
+                <a:gd name="connsiteY18" fmla="*/ 0 h 331788"/>
+              </a:gdLst>
+              <a:ahLst/>
+              <a:cxnLst>
+                <a:cxn ang="0">
+                  <a:pos x="connsiteX0" y="connsiteY0"/>
+                </a:cxn>
+                <a:cxn ang="0">
+                  <a:pos x="connsiteX1" y="connsiteY1"/>
+                </a:cxn>
+                <a:cxn ang="0">
+                  <a:pos x="connsiteX2" y="connsiteY2"/>
+                </a:cxn>
+                <a:cxn ang="0">
+                  <a:pos x="connsiteX3" y="connsiteY3"/>
+                </a:cxn>
+                <a:cxn ang="0">
+                  <a:pos x="connsiteX4" y="connsiteY4"/>
+                </a:cxn>
+                <a:cxn ang="0">
+                  <a:pos x="connsiteX5" y="connsiteY5"/>
+                </a:cxn>
+                <a:cxn ang="0">
+                  <a:pos x="connsiteX6" y="connsiteY6"/>
+                </a:cxn>
+                <a:cxn ang="0">
+                  <a:pos x="connsiteX7" y="connsiteY7"/>
+                </a:cxn>
+                <a:cxn ang="0">
+                  <a:pos x="connsiteX8" y="connsiteY8"/>
+                </a:cxn>
+                <a:cxn ang="0">
+                  <a:pos x="connsiteX9" y="connsiteY9"/>
+                </a:cxn>
+                <a:cxn ang="0">
+                  <a:pos x="connsiteX10" y="connsiteY10"/>
+                </a:cxn>
+                <a:cxn ang="0">
+                  <a:pos x="connsiteX11" y="connsiteY11"/>
+                </a:cxn>
+                <a:cxn ang="0">
+                  <a:pos x="connsiteX12" y="connsiteY12"/>
+                </a:cxn>
+                <a:cxn ang="0">
+                  <a:pos x="connsiteX13" y="connsiteY13"/>
+                </a:cxn>
+                <a:cxn ang="0">
+                  <a:pos x="connsiteX14" y="connsiteY14"/>
+                </a:cxn>
+                <a:cxn ang="0">
+                  <a:pos x="connsiteX15" y="connsiteY15"/>
+                </a:cxn>
+                <a:cxn ang="0">
+                  <a:pos x="connsiteX16" y="connsiteY16"/>
+                </a:cxn>
+                <a:cxn ang="0">
+                  <a:pos x="connsiteX17" y="connsiteY17"/>
+                </a:cxn>
+                <a:cxn ang="0">
+                  <a:pos x="connsiteX18" y="connsiteY18"/>
+                </a:cxn>
+              </a:cxnLst>
+              <a:rect l="l" t="t" r="r" b="b"/>
+              <a:pathLst>
+                <a:path w="337165" h="331788">
+                  <a:moveTo>
+                    <a:pt x="128587" y="35720"/>
+                  </a:moveTo>
+                  <a:cubicBezTo>
+                    <a:pt x="77297" y="35720"/>
+                    <a:pt x="35719" y="77298"/>
+                    <a:pt x="35719" y="128588"/>
+                  </a:cubicBezTo>
+                  <a:cubicBezTo>
+                    <a:pt x="35719" y="179878"/>
+                    <a:pt x="77297" y="221456"/>
+                    <a:pt x="128587" y="221456"/>
+                  </a:cubicBezTo>
+                  <a:cubicBezTo>
+                    <a:pt x="179877" y="221456"/>
+                    <a:pt x="221455" y="179878"/>
+                    <a:pt x="221455" y="128588"/>
+                  </a:cubicBezTo>
+                  <a:cubicBezTo>
+                    <a:pt x="221455" y="77298"/>
+                    <a:pt x="179877" y="35720"/>
+                    <a:pt x="128587" y="35720"/>
+                  </a:cubicBezTo>
+                  <a:close/>
+                  <a:moveTo>
+                    <a:pt x="128588" y="0"/>
+                  </a:moveTo>
+                  <a:cubicBezTo>
+                    <a:pt x="199605" y="0"/>
+                    <a:pt x="257176" y="57571"/>
+                    <a:pt x="257176" y="128588"/>
+                  </a:cubicBezTo>
+                  <a:cubicBezTo>
+                    <a:pt x="257176" y="146342"/>
+                    <a:pt x="253578" y="163256"/>
+                    <a:pt x="247071" y="178640"/>
+                  </a:cubicBezTo>
+                  <a:lnTo>
+                    <a:pt x="234445" y="197368"/>
+                  </a:lnTo>
+                  <a:lnTo>
+                    <a:pt x="235519" y="197813"/>
+                  </a:lnTo>
+                  <a:cubicBezTo>
+                    <a:pt x="267170" y="229463"/>
+                    <a:pt x="298820" y="261115"/>
+                    <a:pt x="330470" y="292765"/>
+                  </a:cubicBezTo>
+                  <a:cubicBezTo>
+                    <a:pt x="339397" y="301692"/>
+                    <a:pt x="339397" y="316167"/>
+                    <a:pt x="330470" y="325094"/>
+                  </a:cubicBezTo>
+                  <a:lnTo>
+                    <a:pt x="330470" y="325092"/>
+                  </a:lnTo>
+                  <a:cubicBezTo>
+                    <a:pt x="321542" y="334020"/>
+                    <a:pt x="307068" y="334020"/>
+                    <a:pt x="298141" y="325092"/>
+                  </a:cubicBezTo>
+                  <a:lnTo>
+                    <a:pt x="203415" y="230367"/>
+                  </a:lnTo>
+                  <a:lnTo>
+                    <a:pt x="178640" y="247071"/>
+                  </a:lnTo>
+                  <a:cubicBezTo>
+                    <a:pt x="163256" y="253578"/>
+                    <a:pt x="146343" y="257176"/>
+                    <a:pt x="128588" y="257176"/>
+                  </a:cubicBezTo>
+                  <a:cubicBezTo>
+                    <a:pt x="57571" y="257176"/>
+                    <a:pt x="0" y="199605"/>
+                    <a:pt x="0" y="128588"/>
+                  </a:cubicBezTo>
+                  <a:cubicBezTo>
+                    <a:pt x="0" y="57571"/>
+                    <a:pt x="57571" y="0"/>
+                    <a:pt x="128588" y="0"/>
+                  </a:cubicBezTo>
+                  <a:close/>
+                </a:path>
+              </a:pathLst>
+            </a:custGeom>
+            <a:solidFill>
+              <a:srgbClr val="D68E49"/>
+            </a:solidFill>
+            <a:ln>
+              <a:noFill/>
+            </a:ln>
+          </p:spPr>
+          <p:style>
+            <a:lnRef idx="2">
+              <a:schemeClr val="accent1">
+                <a:shade val="50000"/>
+              </a:schemeClr>
+            </a:lnRef>
+            <a:fillRef idx="1">
+              <a:schemeClr val="accent1"/>
+            </a:fillRef>
+            <a:effectRef idx="0">
+              <a:schemeClr val="accent1"/>
+            </a:effectRef>
+            <a:fontRef idx="minor">
+              <a:schemeClr val="lt1"/>
+            </a:fontRef>
+          </p:style>
+          <p:txBody>
+            <a:bodyPr rtlCol="0" anchor="ctr"/>
+            <a:lstStyle/>
+            <a:p>
+              <a:pPr algn="ctr"/>
+              <a:endParaRPr lang="ko-KR" altLang="en-US" dirty="0">
+                <a:solidFill>
+                  <a:prstClr val="black"/>
+                </a:solidFill>
+              </a:endParaRPr>
+            </a:p>
+          </p:txBody>
+        </p:sp>
+      </p:grpSp>
+      <p:sp>
+        <p:nvSpPr>
+          <p:cNvPr id="38" name="직사각형 61">
+            <a:extLst>
+              <a:ext uri="{FF2B5EF4-FFF2-40B4-BE49-F238E27FC236}">
+                <a16:creationId xmlns:a16="http://schemas.microsoft.com/office/drawing/2014/main" id="{E862898C-CF0F-3143-9FCC-54C36996D0A3}"/>
+              </a:ext>
+            </a:extLst>
+          </p:cNvPr>
+          <p:cNvSpPr/>
+          <p:nvPr/>
+        </p:nvSpPr>
+        <p:spPr>
+          <a:xfrm>
+            <a:off x="6741573" y="3495592"/>
+            <a:ext cx="389086" cy="369332"/>
+          </a:xfrm>
+          <a:prstGeom prst="rect">
+            <a:avLst/>
+          </a:prstGeom>
+        </p:spPr>
+        <p:txBody>
+          <a:bodyPr wrap="square">
+            <a:spAutoFit/>
+          </a:bodyPr>
+          <a:lstStyle/>
+          <a:p>
+            <a:r>
+              <a:rPr lang="en-US" altLang="zh-CN" dirty="0">
+                <a:solidFill>
+                  <a:schemeClr val="bg1"/>
+                </a:solidFill>
+                <a:latin typeface="PingFang SC" panose="020B0400000000000000" pitchFamily="34" charset="-122"/>
+                <a:ea typeface="PingFang SC" panose="020B0400000000000000" pitchFamily="34" charset="-122"/>
+              </a:rPr>
+              <a:t>1</a:t>
+            </a:r>
+          </a:p>
+        </p:txBody>
+      </p:sp>
+      <p:graphicFrame>
+        <p:nvGraphicFramePr>
+          <p:cNvPr id="3" name="表格 2">
+            <a:extLst>
+              <a:ext uri="{FF2B5EF4-FFF2-40B4-BE49-F238E27FC236}">
+                <a16:creationId xmlns:a16="http://schemas.microsoft.com/office/drawing/2014/main" id="{130A13BE-A0C6-FA4A-BAA3-FC61732C9A2A}"/>
+              </a:ext>
+            </a:extLst>
+          </p:cNvPr>
+          <p:cNvGraphicFramePr>
+            <a:graphicFrameLocks noGrp="1"/>
+          </p:cNvGraphicFramePr>
+          <p:nvPr>
+            <p:extLst>
+              <p:ext uri="{D42A27DB-BD31-4B8C-83A1-F6EECF244321}">
+                <p14:modId xmlns:p14="http://schemas.microsoft.com/office/powerpoint/2010/main" val="3244995744"/>
+              </p:ext>
+            </p:extLst>
+          </p:nvPr>
+        </p:nvGraphicFramePr>
+        <p:xfrm>
+          <a:off x="2567577" y="2574330"/>
+          <a:ext cx="8128000" cy="1483360"/>
+        </p:xfrm>
+        <a:graphic>
+          <a:graphicData uri="http://schemas.openxmlformats.org/drawingml/2006/table">
+            <a:tbl>
+              <a:tblPr firstRow="1" bandRow="1">
+                <a:tableStyleId>{5C22544A-7EE6-4342-B048-85BDC9FD1C3A}</a:tableStyleId>
+              </a:tblPr>
+              <a:tblGrid>
+                <a:gridCol w="1508034">
+                  <a:extLst>
+                    <a:ext uri="{9D8B030D-6E8A-4147-A177-3AD203B41FA5}">
+                      <a16:colId xmlns:a16="http://schemas.microsoft.com/office/drawing/2014/main" val="918311304"/>
+                    </a:ext>
+                  </a:extLst>
+                </a:gridCol>
+                <a:gridCol w="6619966">
+                  <a:extLst>
+                    <a:ext uri="{9D8B030D-6E8A-4147-A177-3AD203B41FA5}">
+                      <a16:colId xmlns:a16="http://schemas.microsoft.com/office/drawing/2014/main" val="1015547738"/>
+                    </a:ext>
+                  </a:extLst>
+                </a:gridCol>
+              </a:tblGrid>
+              <a:tr h="370840">
+                <a:tc>
+                  <a:txBody>
+                    <a:bodyPr/>
+                    <a:lstStyle/>
+                    <a:p>
+                      <a:endParaRPr lang="zh-TW" altLang="en-US" dirty="0"/>
+                    </a:p>
+                  </a:txBody>
+                  <a:tcPr/>
+                </a:tc>
+                <a:tc>
+                  <a:txBody>
+                    <a:bodyPr/>
+                    <a:lstStyle/>
+                    <a:p>
+                      <a:endParaRPr lang="zh-TW" altLang="en-US"/>
+                    </a:p>
+                  </a:txBody>
+                  <a:tcPr/>
+                </a:tc>
+                <a:extLst>
+                  <a:ext uri="{0D108BD9-81ED-4DB2-BD59-A6C34878D82A}">
+                    <a16:rowId xmlns:a16="http://schemas.microsoft.com/office/drawing/2014/main" val="445278616"/>
+                  </a:ext>
+                </a:extLst>
+              </a:tr>
+              <a:tr h="370840">
+                <a:tc>
+                  <a:txBody>
+                    <a:bodyPr/>
+                    <a:lstStyle/>
+                    <a:p>
+                      <a:endParaRPr lang="zh-TW" altLang="en-US"/>
+                    </a:p>
+                  </a:txBody>
+                  <a:tcPr/>
+                </a:tc>
+                <a:tc>
+                  <a:txBody>
+                    <a:bodyPr/>
+                    <a:lstStyle/>
+                    <a:p>
+                      <a:endParaRPr lang="zh-TW" altLang="en-US"/>
+                    </a:p>
+                  </a:txBody>
+                  <a:tcPr/>
+                </a:tc>
+                <a:extLst>
+                  <a:ext uri="{0D108BD9-81ED-4DB2-BD59-A6C34878D82A}">
+                    <a16:rowId xmlns:a16="http://schemas.microsoft.com/office/drawing/2014/main" val="3463588375"/>
+                  </a:ext>
+                </a:extLst>
+              </a:tr>
+              <a:tr h="370840">
+                <a:tc>
+                  <a:txBody>
+                    <a:bodyPr/>
+                    <a:lstStyle/>
+                    <a:p>
+                      <a:endParaRPr lang="zh-TW" altLang="en-US"/>
+                    </a:p>
+                  </a:txBody>
+                  <a:tcPr/>
+                </a:tc>
+                <a:tc>
+                  <a:txBody>
+                    <a:bodyPr/>
+                    <a:lstStyle/>
+                    <a:p>
+                      <a:endParaRPr lang="zh-TW" altLang="en-US"/>
+                    </a:p>
+                  </a:txBody>
+                  <a:tcPr/>
+                </a:tc>
+                <a:extLst>
+                  <a:ext uri="{0D108BD9-81ED-4DB2-BD59-A6C34878D82A}">
+                    <a16:rowId xmlns:a16="http://schemas.microsoft.com/office/drawing/2014/main" val="2071361353"/>
+                  </a:ext>
+                </a:extLst>
+              </a:tr>
+              <a:tr h="370840">
+                <a:tc>
+                  <a:txBody>
+                    <a:bodyPr/>
+                    <a:lstStyle/>
+                    <a:p>
+                      <a:endParaRPr lang="zh-TW" altLang="en-US"/>
+                    </a:p>
+                  </a:txBody>
+                  <a:tcPr/>
+                </a:tc>
+                <a:tc>
+                  <a:txBody>
+                    <a:bodyPr/>
+                    <a:lstStyle/>
+                    <a:p>
+                      <a:endParaRPr lang="zh-TW" altLang="en-US" dirty="0"/>
+                    </a:p>
+                  </a:txBody>
+                  <a:tcPr/>
+                </a:tc>
+                <a:extLst>
+                  <a:ext uri="{0D108BD9-81ED-4DB2-BD59-A6C34878D82A}">
+                    <a16:rowId xmlns:a16="http://schemas.microsoft.com/office/drawing/2014/main" val="3796081165"/>
+                  </a:ext>
+                </a:extLst>
+              </a:tr>
+            </a:tbl>
+          </a:graphicData>
+        </a:graphic>
+      </p:graphicFrame>
+    </p:spTree>
+    <p:extLst>
+      <p:ext uri="{BB962C8B-B14F-4D97-AF65-F5344CB8AC3E}">
+        <p14:creationId xmlns:p14="http://schemas.microsoft.com/office/powerpoint/2010/main" val="1149908615"/>
+      </p:ext>
+    </p:extLst>
+  </p:cSld>
+  <p:clrMapOvr>
+    <a:masterClrMapping/>
+  </p:clrMapOvr>
+  <p:transition spd="slow">
+    <p:push dir="u"/>
+  </p:transition>
+</p:sld>
+</file>
+
 <file path=ppt/theme/theme1.xml><?xml version="1.0" encoding="utf-8"?>
 <a:theme xmlns:a="http://schemas.openxmlformats.org/drawingml/2006/main" name="Office 佈景主題">
   <a:themeElements>
